--- a/2020_02_12_버전.pptx
+++ b/2020_02_12_버전.pptx
@@ -2463,7 +2463,7 @@
           </a:ln>
           <a:extLst>
             <a:ext uri="{C572A759-6A51-4108-AA02-DFA0A04FC94B}">
-              <ma14:wrappingTextBoxFlag xmlns:ma14="http://schemas.microsoft.com/office/mac/drawingml/2011/main" xmlns="" val="1"/>
+              <ma14:wrappingTextBoxFlag xmlns="" xmlns:ma14="http://schemas.microsoft.com/office/mac/drawingml/2011/main" val="1"/>
             </a:ext>
           </a:extLst>
         </p:spPr>
@@ -2502,7 +2502,7 @@
           </a:ln>
           <a:extLst>
             <a:ext uri="{C572A759-6A51-4108-AA02-DFA0A04FC94B}">
-              <ma14:wrappingTextBoxFlag xmlns:ma14="http://schemas.microsoft.com/office/mac/drawingml/2011/main" xmlns="" val="1"/>
+              <ma14:wrappingTextBoxFlag xmlns="" xmlns:ma14="http://schemas.microsoft.com/office/mac/drawingml/2011/main" val="1"/>
             </a:ext>
           </a:extLst>
         </p:spPr>
@@ -3489,7 +3489,7 @@
             <a:effectLst/>
             <a:extLst>
               <a:ext uri="{C572A759-6A51-4108-AA02-DFA0A04FC94B}">
-                <ma14:wrappingTextBoxFlag xmlns:ma14="http://schemas.microsoft.com/office/mac/drawingml/2011/main" xmlns="" val="1"/>
+                <ma14:wrappingTextBoxFlag xmlns="" xmlns:ma14="http://schemas.microsoft.com/office/mac/drawingml/2011/main" val="1"/>
               </a:ext>
             </a:extLst>
           </p:spPr>
@@ -3545,7 +3545,7 @@
             <a:effectLst/>
             <a:extLst>
               <a:ext uri="{C572A759-6A51-4108-AA02-DFA0A04FC94B}">
-                <ma14:wrappingTextBoxFlag xmlns:ma14="http://schemas.microsoft.com/office/mac/drawingml/2011/main" xmlns="" val="1"/>
+                <ma14:wrappingTextBoxFlag xmlns="" xmlns:ma14="http://schemas.microsoft.com/office/mac/drawingml/2011/main" val="1"/>
               </a:ext>
             </a:extLst>
           </p:spPr>
@@ -3671,7 +3671,7 @@
             </a:ln>
             <a:extLst>
               <a:ext uri="{C572A759-6A51-4108-AA02-DFA0A04FC94B}">
-                <ma14:wrappingTextBoxFlag xmlns:ma14="http://schemas.microsoft.com/office/mac/drawingml/2011/main" xmlns="" val="1"/>
+                <ma14:wrappingTextBoxFlag xmlns="" xmlns:ma14="http://schemas.microsoft.com/office/mac/drawingml/2011/main" val="1"/>
               </a:ext>
             </a:extLst>
           </p:spPr>
@@ -3725,7 +3725,7 @@
           </a:ln>
           <a:extLst>
             <a:ext uri="{C572A759-6A51-4108-AA02-DFA0A04FC94B}">
-              <ma14:wrappingTextBoxFlag xmlns:ma14="http://schemas.microsoft.com/office/mac/drawingml/2011/main" xmlns="" val="1"/>
+              <ma14:wrappingTextBoxFlag xmlns="" xmlns:ma14="http://schemas.microsoft.com/office/mac/drawingml/2011/main" val="1"/>
             </a:ext>
           </a:extLst>
         </p:spPr>
@@ -4538,7 +4538,7 @@
           </a:ln>
           <a:extLst>
             <a:ext uri="{C572A759-6A51-4108-AA02-DFA0A04FC94B}">
-              <ma14:wrappingTextBoxFlag xmlns:ma14="http://schemas.microsoft.com/office/mac/drawingml/2011/main" xmlns="" val="1"/>
+              <ma14:wrappingTextBoxFlag xmlns="" xmlns:ma14="http://schemas.microsoft.com/office/mac/drawingml/2011/main" val="1"/>
             </a:ext>
           </a:extLst>
         </p:spPr>
@@ -4592,7 +4592,7 @@
           </a:ln>
           <a:extLst>
             <a:ext uri="{C572A759-6A51-4108-AA02-DFA0A04FC94B}">
-              <ma14:wrappingTextBoxFlag xmlns:ma14="http://schemas.microsoft.com/office/mac/drawingml/2011/main" xmlns="" val="1"/>
+              <ma14:wrappingTextBoxFlag xmlns="" xmlns:ma14="http://schemas.microsoft.com/office/mac/drawingml/2011/main" val="1"/>
             </a:ext>
           </a:extLst>
         </p:spPr>
@@ -5182,7 +5182,7 @@
             </a:ln>
             <a:extLst>
               <a:ext uri="{C572A759-6A51-4108-AA02-DFA0A04FC94B}">
-                <ma14:wrappingTextBoxFlag xmlns:ma14="http://schemas.microsoft.com/office/mac/drawingml/2011/main" xmlns="" val="1"/>
+                <ma14:wrappingTextBoxFlag xmlns="" xmlns:ma14="http://schemas.microsoft.com/office/mac/drawingml/2011/main" val="1"/>
               </a:ext>
             </a:extLst>
           </p:spPr>
@@ -5240,7 +5240,7 @@
           </a:ln>
           <a:extLst>
             <a:ext uri="{C572A759-6A51-4108-AA02-DFA0A04FC94B}">
-              <ma14:wrappingTextBoxFlag xmlns:ma14="http://schemas.microsoft.com/office/mac/drawingml/2011/main" xmlns="" val="1"/>
+              <ma14:wrappingTextBoxFlag xmlns="" xmlns:ma14="http://schemas.microsoft.com/office/mac/drawingml/2011/main" val="1"/>
             </a:ext>
           </a:extLst>
         </p:spPr>
@@ -5725,7 +5725,7 @@
             </a:ln>
             <a:extLst>
               <a:ext uri="{C572A759-6A51-4108-AA02-DFA0A04FC94B}">
-                <ma14:wrappingTextBoxFlag xmlns:ma14="http://schemas.microsoft.com/office/mac/drawingml/2011/main" xmlns="" val="1"/>
+                <ma14:wrappingTextBoxFlag xmlns="" xmlns:ma14="http://schemas.microsoft.com/office/mac/drawingml/2011/main" val="1"/>
               </a:ext>
             </a:extLst>
           </p:spPr>
@@ -5783,7 +5783,7 @@
           </a:ln>
           <a:extLst>
             <a:ext uri="{C572A759-6A51-4108-AA02-DFA0A04FC94B}">
-              <ma14:wrappingTextBoxFlag xmlns:ma14="http://schemas.microsoft.com/office/mac/drawingml/2011/main" xmlns="" val="1"/>
+              <ma14:wrappingTextBoxFlag xmlns="" xmlns:ma14="http://schemas.microsoft.com/office/mac/drawingml/2011/main" val="1"/>
             </a:ext>
           </a:extLst>
         </p:spPr>
@@ -6547,7 +6547,7 @@
               </a:ln>
               <a:extLst>
                 <a:ext uri="{C572A759-6A51-4108-AA02-DFA0A04FC94B}">
-                  <ma14:wrappingTextBoxFlag xmlns:ma14="http://schemas.microsoft.com/office/mac/drawingml/2011/main" xmlns="" val="1"/>
+                  <ma14:wrappingTextBoxFlag xmlns="" xmlns:ma14="http://schemas.microsoft.com/office/mac/drawingml/2011/main" val="1"/>
                 </a:ext>
               </a:extLst>
             </p:spPr>
@@ -6605,7 +6605,7 @@
             </a:ln>
             <a:extLst>
               <a:ext uri="{C572A759-6A51-4108-AA02-DFA0A04FC94B}">
-                <ma14:wrappingTextBoxFlag xmlns:ma14="http://schemas.microsoft.com/office/mac/drawingml/2011/main" xmlns="" val="1"/>
+                <ma14:wrappingTextBoxFlag xmlns="" xmlns:ma14="http://schemas.microsoft.com/office/mac/drawingml/2011/main" val="1"/>
               </a:ext>
             </a:extLst>
           </p:spPr>
@@ -7517,7 +7517,7 @@
               </a:ln>
               <a:extLst>
                 <a:ext uri="{C572A759-6A51-4108-AA02-DFA0A04FC94B}">
-                  <ma14:wrappingTextBoxFlag xmlns:ma14="http://schemas.microsoft.com/office/mac/drawingml/2011/main" xmlns="" val="1"/>
+                  <ma14:wrappingTextBoxFlag xmlns="" xmlns:ma14="http://schemas.microsoft.com/office/mac/drawingml/2011/main" val="1"/>
                 </a:ext>
               </a:extLst>
             </p:spPr>
@@ -7575,7 +7575,7 @@
             </a:ln>
             <a:extLst>
               <a:ext uri="{C572A759-6A51-4108-AA02-DFA0A04FC94B}">
-                <ma14:wrappingTextBoxFlag xmlns:ma14="http://schemas.microsoft.com/office/mac/drawingml/2011/main" xmlns="" val="1"/>
+                <ma14:wrappingTextBoxFlag xmlns="" xmlns:ma14="http://schemas.microsoft.com/office/mac/drawingml/2011/main" val="1"/>
               </a:ext>
             </a:extLst>
           </p:spPr>
@@ -8405,7 +8405,7 @@
           </a:ln>
           <a:extLst>
             <a:ext uri="{C572A759-6A51-4108-AA02-DFA0A04FC94B}">
-              <ma14:wrappingTextBoxFlag xmlns:ma14="http://schemas.microsoft.com/office/mac/drawingml/2011/main" xmlns="" val="1"/>
+              <ma14:wrappingTextBoxFlag xmlns="" xmlns:ma14="http://schemas.microsoft.com/office/mac/drawingml/2011/main" val="1"/>
             </a:ext>
           </a:extLst>
         </p:spPr>
@@ -8467,7 +8467,7 @@
           </a:ln>
           <a:extLst>
             <a:ext uri="{C572A759-6A51-4108-AA02-DFA0A04FC94B}">
-              <ma14:wrappingTextBoxFlag xmlns:ma14="http://schemas.microsoft.com/office/mac/drawingml/2011/main" xmlns="" val="1"/>
+              <ma14:wrappingTextBoxFlag xmlns="" xmlns:ma14="http://schemas.microsoft.com/office/mac/drawingml/2011/main" val="1"/>
             </a:ext>
           </a:extLst>
         </p:spPr>
@@ -8956,7 +8956,7 @@
             </a:ln>
             <a:extLst>
               <a:ext uri="{C572A759-6A51-4108-AA02-DFA0A04FC94B}">
-                <ma14:wrappingTextBoxFlag xmlns:ma14="http://schemas.microsoft.com/office/mac/drawingml/2011/main" xmlns="" val="1"/>
+                <ma14:wrappingTextBoxFlag xmlns="" xmlns:ma14="http://schemas.microsoft.com/office/mac/drawingml/2011/main" val="1"/>
               </a:ext>
             </a:extLst>
           </p:spPr>
@@ -9010,7 +9010,7 @@
           </a:ln>
           <a:extLst>
             <a:ext uri="{C572A759-6A51-4108-AA02-DFA0A04FC94B}">
-              <ma14:wrappingTextBoxFlag xmlns:ma14="http://schemas.microsoft.com/office/mac/drawingml/2011/main" xmlns="" val="1"/>
+              <ma14:wrappingTextBoxFlag xmlns="" xmlns:ma14="http://schemas.microsoft.com/office/mac/drawingml/2011/main" val="1"/>
             </a:ext>
           </a:extLst>
         </p:spPr>
@@ -9669,7 +9669,7 @@
           </a:ln>
           <a:extLst>
             <a:ext uri="{C572A759-6A51-4108-AA02-DFA0A04FC94B}">
-              <ma14:wrappingTextBoxFlag xmlns:ma14="http://schemas.microsoft.com/office/mac/drawingml/2011/main" xmlns="" val="1"/>
+              <ma14:wrappingTextBoxFlag xmlns="" xmlns:ma14="http://schemas.microsoft.com/office/mac/drawingml/2011/main" val="1"/>
             </a:ext>
           </a:extLst>
         </p:spPr>
@@ -9729,7 +9729,7 @@
           </a:ln>
           <a:extLst>
             <a:ext uri="{C572A759-6A51-4108-AA02-DFA0A04FC94B}">
-              <ma14:wrappingTextBoxFlag xmlns:ma14="http://schemas.microsoft.com/office/mac/drawingml/2011/main" xmlns="" val="1"/>
+              <ma14:wrappingTextBoxFlag xmlns="" xmlns:ma14="http://schemas.microsoft.com/office/mac/drawingml/2011/main" val="1"/>
             </a:ext>
           </a:extLst>
         </p:spPr>
@@ -9789,7 +9789,7 @@
           </a:ln>
           <a:extLst>
             <a:ext uri="{C572A759-6A51-4108-AA02-DFA0A04FC94B}">
-              <ma14:wrappingTextBoxFlag xmlns:ma14="http://schemas.microsoft.com/office/mac/drawingml/2011/main" xmlns="" val="1"/>
+              <ma14:wrappingTextBoxFlag xmlns="" xmlns:ma14="http://schemas.microsoft.com/office/mac/drawingml/2011/main" val="1"/>
             </a:ext>
           </a:extLst>
         </p:spPr>
@@ -10011,7 +10011,7 @@
             </a:ln>
             <a:extLst>
               <a:ext uri="{C572A759-6A51-4108-AA02-DFA0A04FC94B}">
-                <ma14:wrappingTextBoxFlag xmlns:ma14="http://schemas.microsoft.com/office/mac/drawingml/2011/main" xmlns="" val="1"/>
+                <ma14:wrappingTextBoxFlag xmlns="" xmlns:ma14="http://schemas.microsoft.com/office/mac/drawingml/2011/main" val="1"/>
               </a:ext>
             </a:extLst>
           </p:spPr>
@@ -10065,7 +10065,7 @@
           </a:ln>
           <a:extLst>
             <a:ext uri="{C572A759-6A51-4108-AA02-DFA0A04FC94B}">
-              <ma14:wrappingTextBoxFlag xmlns:ma14="http://schemas.microsoft.com/office/mac/drawingml/2011/main" xmlns="" val="1"/>
+              <ma14:wrappingTextBoxFlag xmlns="" xmlns:ma14="http://schemas.microsoft.com/office/mac/drawingml/2011/main" val="1"/>
             </a:ext>
           </a:extLst>
         </p:spPr>
@@ -10733,7 +10733,7 @@
           </a:ln>
           <a:extLst>
             <a:ext uri="{C572A759-6A51-4108-AA02-DFA0A04FC94B}">
-              <ma14:wrappingTextBoxFlag xmlns:ma14="http://schemas.microsoft.com/office/mac/drawingml/2011/main" xmlns="" val="1"/>
+              <ma14:wrappingTextBoxFlag xmlns="" xmlns:ma14="http://schemas.microsoft.com/office/mac/drawingml/2011/main" val="1"/>
             </a:ext>
           </a:extLst>
         </p:spPr>
@@ -10801,7 +10801,7 @@
           </a:ln>
           <a:extLst>
             <a:ext uri="{C572A759-6A51-4108-AA02-DFA0A04FC94B}">
-              <ma14:wrappingTextBoxFlag xmlns:ma14="http://schemas.microsoft.com/office/mac/drawingml/2011/main" xmlns="" val="1"/>
+              <ma14:wrappingTextBoxFlag xmlns="" xmlns:ma14="http://schemas.microsoft.com/office/mac/drawingml/2011/main" val="1"/>
             </a:ext>
           </a:extLst>
         </p:spPr>
@@ -10948,7 +10948,7 @@
           </a:ln>
           <a:extLst>
             <a:ext uri="{C572A759-6A51-4108-AA02-DFA0A04FC94B}">
-              <ma14:wrappingTextBoxFlag xmlns:ma14="http://schemas.microsoft.com/office/mac/drawingml/2011/main" xmlns="" val="1"/>
+              <ma14:wrappingTextBoxFlag xmlns="" xmlns:ma14="http://schemas.microsoft.com/office/mac/drawingml/2011/main" val="1"/>
             </a:ext>
           </a:extLst>
         </p:spPr>
@@ -10998,7 +10998,7 @@
           </a:ln>
           <a:extLst>
             <a:ext uri="{C572A759-6A51-4108-AA02-DFA0A04FC94B}">
-              <ma14:wrappingTextBoxFlag xmlns:ma14="http://schemas.microsoft.com/office/mac/drawingml/2011/main" xmlns="" val="1"/>
+              <ma14:wrappingTextBoxFlag xmlns="" xmlns:ma14="http://schemas.microsoft.com/office/mac/drawingml/2011/main" val="1"/>
             </a:ext>
           </a:extLst>
         </p:spPr>
@@ -11538,7 +11538,7 @@
           </a:ln>
           <a:extLst>
             <a:ext uri="{C572A759-6A51-4108-AA02-DFA0A04FC94B}">
-              <ma14:wrappingTextBoxFlag xmlns:ma14="http://schemas.microsoft.com/office/mac/drawingml/2011/main" xmlns="" val="1"/>
+              <ma14:wrappingTextBoxFlag xmlns="" xmlns:ma14="http://schemas.microsoft.com/office/mac/drawingml/2011/main" val="1"/>
             </a:ext>
           </a:extLst>
         </p:spPr>
@@ -11794,7 +11794,7 @@
           </a:ln>
           <a:extLst>
             <a:ext uri="{C572A759-6A51-4108-AA02-DFA0A04FC94B}">
-              <ma14:wrappingTextBoxFlag xmlns:ma14="http://schemas.microsoft.com/office/mac/drawingml/2011/main" xmlns="" val="1"/>
+              <ma14:wrappingTextBoxFlag xmlns="" xmlns:ma14="http://schemas.microsoft.com/office/mac/drawingml/2011/main" val="1"/>
             </a:ext>
           </a:extLst>
         </p:spPr>
@@ -11913,7 +11913,7 @@
           </a:ln>
           <a:extLst>
             <a:ext uri="{C572A759-6A51-4108-AA02-DFA0A04FC94B}">
-              <ma14:wrappingTextBoxFlag xmlns:ma14="http://schemas.microsoft.com/office/mac/drawingml/2011/main" xmlns="" val="1"/>
+              <ma14:wrappingTextBoxFlag xmlns="" xmlns:ma14="http://schemas.microsoft.com/office/mac/drawingml/2011/main" val="1"/>
             </a:ext>
           </a:extLst>
         </p:spPr>
@@ -12020,7 +12020,7 @@
           <p:spPr>
             <a:xfrm>
               <a:off x="197671" y="917435"/>
-              <a:ext cx="4501981" cy="3970318"/>
+              <a:ext cx="4501981" cy="4939814"/>
             </a:xfrm>
             <a:prstGeom prst="rect">
               <a:avLst/>
@@ -12030,7 +12030,7 @@
             </a:ln>
             <a:extLst>
               <a:ext uri="{C572A759-6A51-4108-AA02-DFA0A04FC94B}">
-                <ma14:wrappingTextBoxFlag xmlns:ma14="http://schemas.microsoft.com/office/mac/drawingml/2011/main" xmlns="" val="1"/>
+                <ma14:wrappingTextBoxFlag xmlns="" xmlns:ma14="http://schemas.microsoft.com/office/mac/drawingml/2011/main" val="1"/>
               </a:ext>
             </a:extLst>
           </p:spPr>
@@ -12243,6 +12243,42 @@
                 <a:rPr lang="en-US" altLang="ko-KR" sz="1400" b="1" dirty="0" smtClean="0"/>
                 <a:t>MVC</a:t>
               </a:r>
+            </a:p>
+            <a:p>
+              <a:pPr marL="285750" indent="-285750">
+                <a:buFont typeface="Arial" panose="020B0604020202020204" pitchFamily="34" charset="0"/>
+                <a:buChar char="•"/>
+              </a:pPr>
+              <a:r>
+                <a:rPr lang="ko-KR" altLang="en-US" sz="1400" b="1" dirty="0" smtClean="0"/>
+                <a:t>동영상</a:t>
+              </a:r>
+              <a:endParaRPr lang="en-US" altLang="ko-KR" sz="1400" b="1" dirty="0"/>
+            </a:p>
+            <a:p>
+              <a:r>
+                <a:rPr lang="en-US" altLang="ko-KR" sz="1400" b="1" dirty="0"/>
+                <a:t>    - </a:t>
+              </a:r>
+              <a:r>
+                <a:rPr lang="en-US" altLang="ko-KR" sz="1400" b="1" dirty="0" smtClean="0">
+                  <a:solidFill>
+                    <a:schemeClr val="bg1"/>
+                  </a:solidFill>
+                </a:rPr>
+                <a:t>https</a:t>
+              </a:r>
+              <a:r>
+                <a:rPr lang="en-US" altLang="ko-KR" sz="1400" b="1" dirty="0">
+                  <a:solidFill>
+                    <a:schemeClr val="bg1"/>
+                  </a:solidFill>
+                </a:rPr>
+                <a:t>://www.youtube.com/watch?v=_eoa0E0iyOw</a:t>
+              </a:r>
+            </a:p>
+            <a:p>
+              <a:endParaRPr lang="en-US" altLang="ko-KR" sz="1400" b="1" dirty="0" smtClean="0"/>
             </a:p>
             <a:p>
               <a:endParaRPr lang="en-US" altLang="ko-KR" sz="1400" b="1" dirty="0" smtClean="0"/>
@@ -12275,7 +12311,7 @@
             </a:ln>
             <a:extLst>
               <a:ext uri="{C572A759-6A51-4108-AA02-DFA0A04FC94B}">
-                <ma14:wrappingTextBoxFlag xmlns:ma14="http://schemas.microsoft.com/office/mac/drawingml/2011/main" xmlns="" val="1"/>
+                <ma14:wrappingTextBoxFlag xmlns="" xmlns:ma14="http://schemas.microsoft.com/office/mac/drawingml/2011/main" val="1"/>
               </a:ext>
             </a:extLst>
           </p:spPr>
@@ -12453,7 +12489,7 @@
           </a:ln>
           <a:extLst>
             <a:ext uri="{C572A759-6A51-4108-AA02-DFA0A04FC94B}">
-              <ma14:wrappingTextBoxFlag xmlns:ma14="http://schemas.microsoft.com/office/mac/drawingml/2011/main" xmlns="" val="1"/>
+              <ma14:wrappingTextBoxFlag xmlns="" xmlns:ma14="http://schemas.microsoft.com/office/mac/drawingml/2011/main" val="1"/>
             </a:ext>
           </a:extLst>
         </p:spPr>
@@ -12503,7 +12539,7 @@
           </a:ln>
           <a:extLst>
             <a:ext uri="{C572A759-6A51-4108-AA02-DFA0A04FC94B}">
-              <ma14:wrappingTextBoxFlag xmlns:ma14="http://schemas.microsoft.com/office/mac/drawingml/2011/main" xmlns="" val="1"/>
+              <ma14:wrappingTextBoxFlag xmlns="" xmlns:ma14="http://schemas.microsoft.com/office/mac/drawingml/2011/main" val="1"/>
             </a:ext>
           </a:extLst>
         </p:spPr>
@@ -13114,7 +13150,7 @@
             </a:ln>
             <a:extLst>
               <a:ext uri="{C572A759-6A51-4108-AA02-DFA0A04FC94B}">
-                <ma14:wrappingTextBoxFlag xmlns:ma14="http://schemas.microsoft.com/office/mac/drawingml/2011/main" xmlns="" val="1"/>
+                <ma14:wrappingTextBoxFlag xmlns="" xmlns:ma14="http://schemas.microsoft.com/office/mac/drawingml/2011/main" val="1"/>
               </a:ext>
             </a:extLst>
           </p:spPr>
@@ -13231,7 +13267,7 @@
           </a:ln>
           <a:extLst>
             <a:ext uri="{C572A759-6A51-4108-AA02-DFA0A04FC94B}">
-              <ma14:wrappingTextBoxFlag xmlns:ma14="http://schemas.microsoft.com/office/mac/drawingml/2011/main" xmlns="" val="1"/>
+              <ma14:wrappingTextBoxFlag xmlns="" xmlns:ma14="http://schemas.microsoft.com/office/mac/drawingml/2011/main" val="1"/>
             </a:ext>
           </a:extLst>
         </p:spPr>
@@ -13716,7 +13752,7 @@
           </a:ln>
           <a:extLst>
             <a:ext uri="{C572A759-6A51-4108-AA02-DFA0A04FC94B}">
-              <ma14:wrappingTextBoxFlag xmlns:ma14="http://schemas.microsoft.com/office/mac/drawingml/2011/main" xmlns="" val="1"/>
+              <ma14:wrappingTextBoxFlag xmlns="" xmlns:ma14="http://schemas.microsoft.com/office/mac/drawingml/2011/main" val="1"/>
             </a:ext>
           </a:extLst>
         </p:spPr>
@@ -13776,7 +13812,7 @@
           </a:ln>
           <a:extLst>
             <a:ext uri="{C572A759-6A51-4108-AA02-DFA0A04FC94B}">
-              <ma14:wrappingTextBoxFlag xmlns:ma14="http://schemas.microsoft.com/office/mac/drawingml/2011/main" xmlns="" val="1"/>
+              <ma14:wrappingTextBoxFlag xmlns="" xmlns:ma14="http://schemas.microsoft.com/office/mac/drawingml/2011/main" val="1"/>
             </a:ext>
           </a:extLst>
         </p:spPr>
@@ -13905,7 +13941,7 @@
             </a:ln>
             <a:extLst>
               <a:ext uri="{C572A759-6A51-4108-AA02-DFA0A04FC94B}">
-                <ma14:wrappingTextBoxFlag xmlns:ma14="http://schemas.microsoft.com/office/mac/drawingml/2011/main" xmlns="" val="1"/>
+                <ma14:wrappingTextBoxFlag xmlns="" xmlns:ma14="http://schemas.microsoft.com/office/mac/drawingml/2011/main" val="1"/>
               </a:ext>
             </a:extLst>
           </p:spPr>
@@ -13959,7 +13995,7 @@
           </a:ln>
           <a:extLst>
             <a:ext uri="{C572A759-6A51-4108-AA02-DFA0A04FC94B}">
-              <ma14:wrappingTextBoxFlag xmlns:ma14="http://schemas.microsoft.com/office/mac/drawingml/2011/main" xmlns="" val="1"/>
+              <ma14:wrappingTextBoxFlag xmlns="" xmlns:ma14="http://schemas.microsoft.com/office/mac/drawingml/2011/main" val="1"/>
             </a:ext>
           </a:extLst>
         </p:spPr>
@@ -14675,7 +14711,7 @@
           </a:ln>
           <a:extLst>
             <a:ext uri="{C572A759-6A51-4108-AA02-DFA0A04FC94B}">
-              <ma14:wrappingTextBoxFlag xmlns:ma14="http://schemas.microsoft.com/office/mac/drawingml/2011/main" xmlns="" val="1"/>
+              <ma14:wrappingTextBoxFlag xmlns="" xmlns:ma14="http://schemas.microsoft.com/office/mac/drawingml/2011/main" val="1"/>
             </a:ext>
           </a:extLst>
         </p:spPr>
@@ -14735,7 +14771,7 @@
           </a:ln>
           <a:extLst>
             <a:ext uri="{C572A759-6A51-4108-AA02-DFA0A04FC94B}">
-              <ma14:wrappingTextBoxFlag xmlns:ma14="http://schemas.microsoft.com/office/mac/drawingml/2011/main" xmlns="" val="1"/>
+              <ma14:wrappingTextBoxFlag xmlns="" xmlns:ma14="http://schemas.microsoft.com/office/mac/drawingml/2011/main" val="1"/>
             </a:ext>
           </a:extLst>
         </p:spPr>
@@ -14869,7 +14905,7 @@
             </a:ln>
             <a:extLst>
               <a:ext uri="{C572A759-6A51-4108-AA02-DFA0A04FC94B}">
-                <ma14:wrappingTextBoxFlag xmlns:ma14="http://schemas.microsoft.com/office/mac/drawingml/2011/main" xmlns="" val="1"/>
+                <ma14:wrappingTextBoxFlag xmlns="" xmlns:ma14="http://schemas.microsoft.com/office/mac/drawingml/2011/main" val="1"/>
               </a:ext>
             </a:extLst>
           </p:spPr>
@@ -14923,7 +14959,7 @@
           </a:ln>
           <a:extLst>
             <a:ext uri="{C572A759-6A51-4108-AA02-DFA0A04FC94B}">
-              <ma14:wrappingTextBoxFlag xmlns:ma14="http://schemas.microsoft.com/office/mac/drawingml/2011/main" xmlns="" val="1"/>
+              <ma14:wrappingTextBoxFlag xmlns="" xmlns:ma14="http://schemas.microsoft.com/office/mac/drawingml/2011/main" val="1"/>
             </a:ext>
           </a:extLst>
         </p:spPr>
@@ -15413,7 +15449,7 @@
             </a:ln>
             <a:extLst>
               <a:ext uri="{C572A759-6A51-4108-AA02-DFA0A04FC94B}">
-                <ma14:wrappingTextBoxFlag xmlns:ma14="http://schemas.microsoft.com/office/mac/drawingml/2011/main" xmlns="" val="1"/>
+                <ma14:wrappingTextBoxFlag xmlns="" xmlns:ma14="http://schemas.microsoft.com/office/mac/drawingml/2011/main" val="1"/>
               </a:ext>
             </a:extLst>
           </p:spPr>
@@ -15467,7 +15503,7 @@
           </a:ln>
           <a:extLst>
             <a:ext uri="{C572A759-6A51-4108-AA02-DFA0A04FC94B}">
-              <ma14:wrappingTextBoxFlag xmlns:ma14="http://schemas.microsoft.com/office/mac/drawingml/2011/main" xmlns="" val="1"/>
+              <ma14:wrappingTextBoxFlag xmlns="" xmlns:ma14="http://schemas.microsoft.com/office/mac/drawingml/2011/main" val="1"/>
             </a:ext>
           </a:extLst>
         </p:spPr>
@@ -16022,7 +16058,7 @@
             </a:ln>
             <a:extLst>
               <a:ext uri="{C572A759-6A51-4108-AA02-DFA0A04FC94B}">
-                <ma14:wrappingTextBoxFlag xmlns:ma14="http://schemas.microsoft.com/office/mac/drawingml/2011/main" xmlns="" val="1"/>
+                <ma14:wrappingTextBoxFlag xmlns="" xmlns:ma14="http://schemas.microsoft.com/office/mac/drawingml/2011/main" val="1"/>
               </a:ext>
             </a:extLst>
           </p:spPr>
@@ -16076,7 +16112,7 @@
           </a:ln>
           <a:extLst>
             <a:ext uri="{C572A759-6A51-4108-AA02-DFA0A04FC94B}">
-              <ma14:wrappingTextBoxFlag xmlns:ma14="http://schemas.microsoft.com/office/mac/drawingml/2011/main" xmlns="" val="1"/>
+              <ma14:wrappingTextBoxFlag xmlns="" xmlns:ma14="http://schemas.microsoft.com/office/mac/drawingml/2011/main" val="1"/>
             </a:ext>
           </a:extLst>
         </p:spPr>
@@ -16412,7 +16448,7 @@
           </a:ln>
           <a:extLst>
             <a:ext uri="{C572A759-6A51-4108-AA02-DFA0A04FC94B}">
-              <ma14:wrappingTextBoxFlag xmlns:ma14="http://schemas.microsoft.com/office/mac/drawingml/2011/main" xmlns="" val="1"/>
+              <ma14:wrappingTextBoxFlag xmlns="" xmlns:ma14="http://schemas.microsoft.com/office/mac/drawingml/2011/main" val="1"/>
             </a:ext>
           </a:extLst>
         </p:spPr>
